--- a/print/lesson_73_precal.pptx
+++ b/print/lesson_73_precal.pptx
@@ -6531,9 +6531,9 @@
           <a:bodyPr/>
           <a:lstStyle/>
           <a:p>
-            <a:pPr marL="269747" indent="-187324" defTabSz="539495">
-              <a:buSzPts val="1100"/>
-              <a:defRPr sz="1120"/>
+            <a:pPr marL="187452" indent="-130175" defTabSz="374904">
+              <a:buSzPts val="700"/>
+              <a:defRPr sz="779"/>
             </a:pPr>
             <a:r>
               <a:t>Exam next </a:t>
@@ -6545,9 +6545,9 @@
             <a:endParaRPr b="1"/>
           </a:p>
           <a:p>
-            <a:pPr marL="269747" indent="-187324" defTabSz="539495">
-              <a:buSzPts val="1100"/>
-              <a:defRPr sz="1120"/>
+            <a:pPr marL="187452" indent="-130175" defTabSz="374904">
+              <a:buSzPts val="700"/>
+              <a:defRPr sz="779"/>
             </a:pPr>
             <a:r>
               <a:rPr b="1"/>
@@ -6556,9 +6556,9 @@
             <a:endParaRPr b="1"/>
           </a:p>
           <a:p>
-            <a:pPr marL="269747" indent="-202310" defTabSz="539495">
-              <a:buSzPts val="1300"/>
-              <a:defRPr sz="1357"/>
+            <a:pPr marL="187452" indent="-140588" defTabSz="374904">
+              <a:buSzPts val="900"/>
+              <a:defRPr sz="943"/>
             </a:pPr>
             <a:r>
               <a:rPr b="1"/>
@@ -6567,12 +6567,40 @@
             <a:endParaRPr b="1"/>
           </a:p>
           <a:p>
-            <a:pPr lvl="2" marL="741412" indent="-141972" defTabSz="539495">
+            <a:pPr lvl="2" marL="515218" indent="-98658" defTabSz="374904">
               <a:buClrTx/>
               <a:buSzPct val="100000"/>
               <a:buFontTx/>
               <a:buAutoNum type="arabicPeriod" startAt="1"/>
-              <a:defRPr sz="1357"/>
+              <a:defRPr sz="943"/>
+            </a:pPr>
+            <a:r>
+              <a:rPr b="1"/>
+              <a:t> Combining functions</a:t>
+            </a:r>
+            <a:endParaRPr b="1"/>
+          </a:p>
+          <a:p>
+            <a:pPr lvl="3" marL="723498" indent="-98658" defTabSz="374904">
+              <a:buClrTx/>
+              <a:buSzPct val="100000"/>
+              <a:buFontTx/>
+              <a:buAutoNum type="alphaLcPeriod" startAt="1"/>
+              <a:defRPr sz="943"/>
+            </a:pPr>
+            <a:r>
+              <a:rPr b="1"/>
+              <a:t> arithmetic combinations</a:t>
+            </a:r>
+            <a:endParaRPr b="1"/>
+          </a:p>
+          <a:p>
+            <a:pPr lvl="3" marL="723498" indent="-98658" defTabSz="374904">
+              <a:buClrTx/>
+              <a:buSzPct val="100000"/>
+              <a:buFontTx/>
+              <a:buAutoNum type="alphaLcPeriod" startAt="1"/>
+              <a:defRPr sz="943"/>
             </a:pPr>
             <a:r>
               <a:rPr b="1"/>
@@ -6581,16 +6609,72 @@
             <a:endParaRPr b="1"/>
           </a:p>
           <a:p>
-            <a:pPr lvl="2" marL="741412" indent="-141972" defTabSz="539495">
+            <a:pPr lvl="2" marL="515218" indent="-98658" defTabSz="374904">
               <a:buClrTx/>
               <a:buSzPct val="100000"/>
               <a:buFontTx/>
               <a:buAutoNum type="arabicPeriod" startAt="1"/>
-              <a:defRPr sz="1357"/>
+              <a:defRPr sz="943"/>
             </a:pPr>
             <a:r>
               <a:rPr b="1"/>
-              <a:t>Applying leading coefficient test, finding roots, and sketching quadratics and higher order polynomials</a:t>
+              <a:t>Polynomials:</a:t>
+            </a:r>
+            <a:endParaRPr b="1"/>
+          </a:p>
+          <a:p>
+            <a:pPr lvl="3" marL="723498" indent="-98658" defTabSz="374904">
+              <a:buClrTx/>
+              <a:buSzPct val="100000"/>
+              <a:buFontTx/>
+              <a:buAutoNum type="alphaLcPeriod" startAt="1"/>
+              <a:defRPr sz="943"/>
+            </a:pPr>
+            <a:r>
+              <a:rPr b="1"/>
+              <a:t>Applying leading coefficient test,</a:t>
+            </a:r>
+            <a:endParaRPr b="1"/>
+          </a:p>
+          <a:p>
+            <a:pPr lvl="3" marL="723498" indent="-98658" defTabSz="374904">
+              <a:buClrTx/>
+              <a:buSzPct val="100000"/>
+              <a:buFontTx/>
+              <a:buAutoNum type="alphaLcPeriod" startAt="1"/>
+              <a:defRPr sz="943"/>
+            </a:pPr>
+            <a:r>
+              <a:rPr b="1"/>
+              <a:t>finding roots, </a:t>
+            </a:r>
+            <a:endParaRPr b="1"/>
+          </a:p>
+          <a:p>
+            <a:pPr lvl="3" marL="723498" indent="-98658" defTabSz="374904">
+              <a:buClrTx/>
+              <a:buSzPct val="100000"/>
+              <a:buFontTx/>
+              <a:buAutoNum type="alphaLcPeriod" startAt="1"/>
+              <a:defRPr sz="943"/>
+            </a:pPr>
+            <a:r>
+              <a:rPr b="1"/>
+              <a:t>and sketching quadratics and higher order polynomials</a:t>
+            </a:r>
+            <a:endParaRPr b="1"/>
+          </a:p>
+          <a:p>
+            <a:pPr lvl="3" marL="723498" indent="-98658" defTabSz="374904">
+              <a:buClrTx/>
+              <a:buSzPct val="100000"/>
+              <a:buFontTx/>
+              <a:buAutoNum type="alphaLcPeriod" startAt="1"/>
+              <a:defRPr sz="943"/>
+            </a:pPr>
+            <a:r>
+              <a:rPr b="1"/>
+              <a:t> long division of polynomials</a:t>
             </a:r>
           </a:p>
         </p:txBody>
@@ -8182,9 +8266,9 @@
       </p:par>
     </p:tnLst>
     <p:bldLst>
-      <p:bldP build="whole" bldLvl="1" animBg="1" rev="0" advAuto="0" spid="202" grpId="2"/>
       <p:bldP build="whole" bldLvl="1" animBg="1" rev="0" advAuto="0" spid="201" grpId="1"/>
       <p:bldP build="whole" bldLvl="1" animBg="1" rev="0" advAuto="0" spid="203" grpId="3"/>
+      <p:bldP build="whole" bldLvl="1" animBg="1" rev="0" advAuto="0" spid="202" grpId="2"/>
     </p:bldLst>
   </p:timing>
 </p:sld>
